--- a/analysis_scripts/GOA/goa_restratification_2023/untrawlable areas.pptx
+++ b/analysis_scripts/GOA/goa_restratification_2023/untrawlable areas.pptx
@@ -243,7 +243,7 @@
           <a:p>
             <a:fld id="{38A2FBB3-354A-43D4-A9C0-58E0D72E9D85}" type="datetimeFigureOut">
               <a:rPr lang="en-US" smtClean="0"/>
-              <a:t>11/6/2022</a:t>
+              <a:t>10/12/2023</a:t>
             </a:fld>
             <a:endParaRPr lang="en-US"/>
           </a:p>
@@ -413,7 +413,7 @@
           <a:p>
             <a:fld id="{38A2FBB3-354A-43D4-A9C0-58E0D72E9D85}" type="datetimeFigureOut">
               <a:rPr lang="en-US" smtClean="0"/>
-              <a:t>11/6/2022</a:t>
+              <a:t>10/12/2023</a:t>
             </a:fld>
             <a:endParaRPr lang="en-US"/>
           </a:p>
@@ -593,7 +593,7 @@
           <a:p>
             <a:fld id="{38A2FBB3-354A-43D4-A9C0-58E0D72E9D85}" type="datetimeFigureOut">
               <a:rPr lang="en-US" smtClean="0"/>
-              <a:t>11/6/2022</a:t>
+              <a:t>10/12/2023</a:t>
             </a:fld>
             <a:endParaRPr lang="en-US"/>
           </a:p>
@@ -763,7 +763,7 @@
           <a:p>
             <a:fld id="{38A2FBB3-354A-43D4-A9C0-58E0D72E9D85}" type="datetimeFigureOut">
               <a:rPr lang="en-US" smtClean="0"/>
-              <a:t>11/6/2022</a:t>
+              <a:t>10/12/2023</a:t>
             </a:fld>
             <a:endParaRPr lang="en-US"/>
           </a:p>
@@ -1009,7 +1009,7 @@
           <a:p>
             <a:fld id="{38A2FBB3-354A-43D4-A9C0-58E0D72E9D85}" type="datetimeFigureOut">
               <a:rPr lang="en-US" smtClean="0"/>
-              <a:t>11/6/2022</a:t>
+              <a:t>10/12/2023</a:t>
             </a:fld>
             <a:endParaRPr lang="en-US"/>
           </a:p>
@@ -1241,7 +1241,7 @@
           <a:p>
             <a:fld id="{38A2FBB3-354A-43D4-A9C0-58E0D72E9D85}" type="datetimeFigureOut">
               <a:rPr lang="en-US" smtClean="0"/>
-              <a:t>11/6/2022</a:t>
+              <a:t>10/12/2023</a:t>
             </a:fld>
             <a:endParaRPr lang="en-US"/>
           </a:p>
@@ -1608,7 +1608,7 @@
           <a:p>
             <a:fld id="{38A2FBB3-354A-43D4-A9C0-58E0D72E9D85}" type="datetimeFigureOut">
               <a:rPr lang="en-US" smtClean="0"/>
-              <a:t>11/6/2022</a:t>
+              <a:t>10/12/2023</a:t>
             </a:fld>
             <a:endParaRPr lang="en-US"/>
           </a:p>
@@ -1726,7 +1726,7 @@
           <a:p>
             <a:fld id="{38A2FBB3-354A-43D4-A9C0-58E0D72E9D85}" type="datetimeFigureOut">
               <a:rPr lang="en-US" smtClean="0"/>
-              <a:t>11/6/2022</a:t>
+              <a:t>10/12/2023</a:t>
             </a:fld>
             <a:endParaRPr lang="en-US"/>
           </a:p>
@@ -1821,7 +1821,7 @@
           <a:p>
             <a:fld id="{38A2FBB3-354A-43D4-A9C0-58E0D72E9D85}" type="datetimeFigureOut">
               <a:rPr lang="en-US" smtClean="0"/>
-              <a:t>11/6/2022</a:t>
+              <a:t>10/12/2023</a:t>
             </a:fld>
             <a:endParaRPr lang="en-US"/>
           </a:p>
@@ -2098,7 +2098,7 @@
           <a:p>
             <a:fld id="{38A2FBB3-354A-43D4-A9C0-58E0D72E9D85}" type="datetimeFigureOut">
               <a:rPr lang="en-US" smtClean="0"/>
-              <a:t>11/6/2022</a:t>
+              <a:t>10/12/2023</a:t>
             </a:fld>
             <a:endParaRPr lang="en-US"/>
           </a:p>
@@ -2351,7 +2351,7 @@
           <a:p>
             <a:fld id="{38A2FBB3-354A-43D4-A9C0-58E0D72E9D85}" type="datetimeFigureOut">
               <a:rPr lang="en-US" smtClean="0"/>
-              <a:t>11/6/2022</a:t>
+              <a:t>10/12/2023</a:t>
             </a:fld>
             <a:endParaRPr lang="en-US"/>
           </a:p>
@@ -2564,7 +2564,7 @@
           <a:p>
             <a:fld id="{38A2FBB3-354A-43D4-A9C0-58E0D72E9D85}" type="datetimeFigureOut">
               <a:rPr lang="en-US" smtClean="0"/>
-              <a:t>11/6/2022</a:t>
+              <a:t>10/12/2023</a:t>
             </a:fld>
             <a:endParaRPr lang="en-US"/>
           </a:p>
@@ -3010,11 +3010,11 @@
             <a:pPr algn="ctr"/>
             <a:r>
               <a:rPr lang="en-US" dirty="0" smtClean="0"/>
-              <a:t>1613 </a:t>
+              <a:t>1613 grid cells have some or of its area </a:t>
             </a:r>
             <a:r>
               <a:rPr lang="en-US" dirty="0" smtClean="0"/>
-              <a:t>grid cells have some or of its area deemed </a:t>
+              <a:t>deemed UT </a:t>
             </a:r>
             <a:endParaRPr lang="en-US" dirty="0"/>
           </a:p>
@@ -3185,11 +3185,7 @@
             <a:pPr algn="ctr"/>
             <a:r>
               <a:rPr lang="en-US" dirty="0" smtClean="0"/>
-              <a:t>727 </a:t>
-            </a:r>
-            <a:r>
-              <a:rPr lang="en-US" dirty="0" smtClean="0"/>
-              <a:t>cells are deemed fully UT</a:t>
+              <a:t>727 cells are deemed fully UT</a:t>
             </a:r>
             <a:endParaRPr lang="en-US" dirty="0"/>
           </a:p>
@@ -3236,15 +3232,7 @@
             <a:pPr algn="ctr"/>
             <a:r>
               <a:rPr lang="en-US" b="1" dirty="0" smtClean="0"/>
-              <a:t>Scenario A: </a:t>
-            </a:r>
-            <a:r>
-              <a:rPr lang="en-US" b="1" dirty="0" smtClean="0"/>
-              <a:t>1070 </a:t>
-            </a:r>
-            <a:r>
-              <a:rPr lang="en-US" b="1" dirty="0" smtClean="0"/>
-              <a:t>new stations are within these cells </a:t>
+              <a:t>Scenario A: 1070 new stations are within these cells </a:t>
             </a:r>
             <a:endParaRPr lang="en-US" b="1" dirty="0"/>
           </a:p>
@@ -3291,19 +3279,7 @@
             <a:pPr algn="ctr"/>
             <a:r>
               <a:rPr lang="en-US" dirty="0" smtClean="0"/>
-              <a:t>886 </a:t>
-            </a:r>
-            <a:r>
-              <a:rPr lang="en-US" dirty="0" smtClean="0"/>
-              <a:t>cells are only partially UT because it historically consisted of multiple stations and only a subset of those stations were deemed UT. This potentially affects </a:t>
-            </a:r>
-            <a:r>
-              <a:rPr lang="en-US" dirty="0" smtClean="0"/>
-              <a:t>2045 </a:t>
-            </a:r>
-            <a:r>
-              <a:rPr lang="en-US" dirty="0" smtClean="0"/>
-              <a:t>new stations.</a:t>
+              <a:t>886 cells are only partially UT because it historically consisted of multiple stations and only a subset of those stations were deemed UT. This potentially affects 2045 new stations.</a:t>
             </a:r>
             <a:endParaRPr lang="en-US" dirty="0"/>
           </a:p>
@@ -3350,15 +3326,7 @@
             <a:pPr algn="ctr"/>
             <a:r>
               <a:rPr lang="en-US" b="1" dirty="0" smtClean="0"/>
-              <a:t>Scenario B: </a:t>
-            </a:r>
-            <a:r>
-              <a:rPr lang="en-US" b="1" dirty="0" smtClean="0"/>
-              <a:t>320 </a:t>
-            </a:r>
-            <a:r>
-              <a:rPr lang="en-US" b="1" dirty="0" smtClean="0"/>
-              <a:t>stations have full overlap with the UT area in the cell</a:t>
+              <a:t>Scenario B: 320 stations have full overlap with the UT area in the cell</a:t>
             </a:r>
             <a:endParaRPr lang="en-US" b="1" dirty="0"/>
           </a:p>
@@ -3405,11 +3373,7 @@
             <a:pPr algn="ctr"/>
             <a:r>
               <a:rPr lang="en-US" b="1" dirty="0" smtClean="0"/>
-              <a:t>Scenario C: 483 stations hav</a:t>
-            </a:r>
-            <a:r>
-              <a:rPr lang="en-US" b="1" dirty="0" smtClean="0"/>
-              <a:t>e full overlap with the T area in the cell</a:t>
+              <a:t>Scenario C: 483 stations have full overlap with the T area in the cell</a:t>
             </a:r>
             <a:endParaRPr lang="en-US" b="1" dirty="0"/>
           </a:p>
@@ -3456,15 +3420,7 @@
             <a:pPr algn="ctr"/>
             <a:r>
               <a:rPr lang="en-US" b="1" dirty="0" smtClean="0"/>
-              <a:t>Scenario D: </a:t>
-            </a:r>
-            <a:r>
-              <a:rPr lang="en-US" b="1" dirty="0" smtClean="0"/>
-              <a:t>600 </a:t>
-            </a:r>
-            <a:r>
-              <a:rPr lang="en-US" b="1" dirty="0" smtClean="0"/>
-              <a:t>stations have partial overlap with the UT area in the cell,    &gt;= 5 km2 of T area</a:t>
+              <a:t>Scenario D: 600 stations have partial overlap with the UT area in the cell,    &gt;= 5 km2 of T area</a:t>
             </a:r>
             <a:endParaRPr lang="en-US" b="1" dirty="0"/>
           </a:p>
@@ -3511,15 +3467,7 @@
             <a:pPr algn="ctr"/>
             <a:r>
               <a:rPr lang="en-US" b="1" dirty="0" smtClean="0"/>
-              <a:t>Scenario E: </a:t>
-            </a:r>
-            <a:r>
-              <a:rPr lang="en-US" b="1" dirty="0" smtClean="0"/>
-              <a:t>642 </a:t>
-            </a:r>
-            <a:r>
-              <a:rPr lang="en-US" b="1" dirty="0" smtClean="0"/>
-              <a:t>stations have partial overlap with the UT area in the cell,      &lt; 5 km2 of T area</a:t>
+              <a:t>Scenario E: 642 stations have partial overlap with the UT area in the cell,      &lt; 5 km2 of T area</a:t>
             </a:r>
           </a:p>
         </p:txBody>
